--- a/LAB12.pptx
+++ b/LAB12.pptx
@@ -8174,13 +8174,17 @@
           <a:prstGeom prst="straightConnector1">
             <a:avLst/>
           </a:prstGeom>
-          <a:ln>
-            <a:tailEnd type="arrow"/>
+          <a:ln w="31750" cap="rnd">
+            <a:solidFill>
+              <a:schemeClr val="accent1"/>
+            </a:solidFill>
+            <a:round/>
+            <a:tailEnd type="arrow" w="med" len="med"/>
           </a:ln>
         </p:spPr>
         <p:style>
-          <a:lnRef idx="2">
-            <a:schemeClr val="accent1"/>
+          <a:lnRef idx="0">
+            <a:srgbClr val="FFFFFF"/>
           </a:lnRef>
           <a:fillRef idx="0">
             <a:srgbClr val="FFFFFF"/>
@@ -8207,13 +8211,17 @@
           <a:prstGeom prst="straightConnector1">
             <a:avLst/>
           </a:prstGeom>
-          <a:ln>
-            <a:tailEnd type="arrow"/>
+          <a:ln w="31750" cap="rnd">
+            <a:solidFill>
+              <a:schemeClr val="accent1"/>
+            </a:solidFill>
+            <a:round/>
+            <a:tailEnd type="arrow" w="med" len="med"/>
           </a:ln>
         </p:spPr>
         <p:style>
-          <a:lnRef idx="2">
-            <a:schemeClr val="accent1"/>
+          <a:lnRef idx="0">
+            <a:srgbClr val="FFFFFF"/>
           </a:lnRef>
           <a:fillRef idx="0">
             <a:srgbClr val="FFFFFF"/>
@@ -8240,13 +8248,17 @@
           <a:prstGeom prst="straightConnector1">
             <a:avLst/>
           </a:prstGeom>
-          <a:ln>
-            <a:tailEnd type="arrow"/>
+          <a:ln w="31750" cap="rnd">
+            <a:solidFill>
+              <a:schemeClr val="accent1"/>
+            </a:solidFill>
+            <a:round/>
+            <a:tailEnd type="arrow" w="med" len="med"/>
           </a:ln>
         </p:spPr>
         <p:style>
-          <a:lnRef idx="2">
-            <a:schemeClr val="accent1"/>
+          <a:lnRef idx="0">
+            <a:srgbClr val="FFFFFF"/>
           </a:lnRef>
           <a:fillRef idx="0">
             <a:srgbClr val="FFFFFF"/>
@@ -9069,6 +9081,80 @@
           </p:pic>
         </mc:Fallback>
       </mc:AlternateContent>
+      <p:cxnSp>
+        <p:nvCxnSpPr>
+          <p:cNvPr id="6" name="Straight Arrow Connector 5"/>
+          <p:cNvCxnSpPr/>
+          <p:nvPr/>
+        </p:nvCxnSpPr>
+        <p:spPr>
+          <a:xfrm flipV="1">
+            <a:off x="897255" y="2886710"/>
+            <a:ext cx="1125855" cy="271145"/>
+          </a:xfrm>
+          <a:prstGeom prst="straightConnector1">
+            <a:avLst/>
+          </a:prstGeom>
+          <a:ln w="31750" cap="rnd">
+            <a:solidFill>
+              <a:schemeClr val="accent1"/>
+            </a:solidFill>
+            <a:round/>
+            <a:tailEnd type="arrow" w="med" len="med"/>
+          </a:ln>
+        </p:spPr>
+        <p:style>
+          <a:lnRef idx="0">
+            <a:srgbClr val="FFFFFF"/>
+          </a:lnRef>
+          <a:fillRef idx="0">
+            <a:srgbClr val="FFFFFF"/>
+          </a:fillRef>
+          <a:effectRef idx="0">
+            <a:srgbClr val="FFFFFF"/>
+          </a:effectRef>
+          <a:fontRef idx="minor">
+            <a:schemeClr val="tx1"/>
+          </a:fontRef>
+        </p:style>
+      </p:cxnSp>
+      <p:cxnSp>
+        <p:nvCxnSpPr>
+          <p:cNvPr id="8" name="Straight Arrow Connector 7"/>
+          <p:cNvCxnSpPr/>
+          <p:nvPr/>
+        </p:nvCxnSpPr>
+        <p:spPr>
+          <a:xfrm flipV="1">
+            <a:off x="897255" y="4394200"/>
+            <a:ext cx="1125855" cy="271145"/>
+          </a:xfrm>
+          <a:prstGeom prst="straightConnector1">
+            <a:avLst/>
+          </a:prstGeom>
+          <a:ln w="31750" cap="rnd">
+            <a:solidFill>
+              <a:schemeClr val="accent1"/>
+            </a:solidFill>
+            <a:round/>
+            <a:tailEnd type="arrow" w="med" len="med"/>
+          </a:ln>
+        </p:spPr>
+        <p:style>
+          <a:lnRef idx="0">
+            <a:srgbClr val="FFFFFF"/>
+          </a:lnRef>
+          <a:fillRef idx="0">
+            <a:srgbClr val="FFFFFF"/>
+          </a:fillRef>
+          <a:effectRef idx="0">
+            <a:srgbClr val="FFFFFF"/>
+          </a:effectRef>
+          <a:fontRef idx="minor">
+            <a:schemeClr val="tx1"/>
+          </a:fontRef>
+        </p:style>
+      </p:cxnSp>
     </p:spTree>
   </p:cSld>
   <p:clrMapOvr>
@@ -9630,6 +9716,80 @@
           </a:prstGeom>
         </p:spPr>
       </p:pic>
+      <p:cxnSp>
+        <p:nvCxnSpPr>
+          <p:cNvPr id="3" name="Straight Arrow Connector 2"/>
+          <p:cNvCxnSpPr/>
+          <p:nvPr/>
+        </p:nvCxnSpPr>
+        <p:spPr>
+          <a:xfrm flipV="1">
+            <a:off x="1100455" y="1794510"/>
+            <a:ext cx="1075055" cy="652145"/>
+          </a:xfrm>
+          <a:prstGeom prst="straightConnector1">
+            <a:avLst/>
+          </a:prstGeom>
+          <a:ln w="31750" cap="rnd">
+            <a:solidFill>
+              <a:schemeClr val="accent1"/>
+            </a:solidFill>
+            <a:round/>
+            <a:tailEnd type="arrow" w="med" len="med"/>
+          </a:ln>
+        </p:spPr>
+        <p:style>
+          <a:lnRef idx="0">
+            <a:srgbClr val="FFFFFF"/>
+          </a:lnRef>
+          <a:fillRef idx="0">
+            <a:srgbClr val="FFFFFF"/>
+          </a:fillRef>
+          <a:effectRef idx="0">
+            <a:srgbClr val="FFFFFF"/>
+          </a:effectRef>
+          <a:fontRef idx="minor">
+            <a:schemeClr val="tx1"/>
+          </a:fontRef>
+        </p:style>
+      </p:cxnSp>
+      <p:cxnSp>
+        <p:nvCxnSpPr>
+          <p:cNvPr id="6" name="Straight Arrow Connector 5"/>
+          <p:cNvCxnSpPr/>
+          <p:nvPr/>
+        </p:nvCxnSpPr>
+        <p:spPr>
+          <a:xfrm flipV="1">
+            <a:off x="1100455" y="3377565"/>
+            <a:ext cx="1125855" cy="271145"/>
+          </a:xfrm>
+          <a:prstGeom prst="straightConnector1">
+            <a:avLst/>
+          </a:prstGeom>
+          <a:ln w="31750" cap="rnd">
+            <a:solidFill>
+              <a:schemeClr val="accent1"/>
+            </a:solidFill>
+            <a:round/>
+            <a:tailEnd type="arrow" w="med" len="med"/>
+          </a:ln>
+        </p:spPr>
+        <p:style>
+          <a:lnRef idx="0">
+            <a:srgbClr val="FFFFFF"/>
+          </a:lnRef>
+          <a:fillRef idx="0">
+            <a:srgbClr val="FFFFFF"/>
+          </a:fillRef>
+          <a:effectRef idx="0">
+            <a:srgbClr val="FFFFFF"/>
+          </a:effectRef>
+          <a:fontRef idx="minor">
+            <a:schemeClr val="tx1"/>
+          </a:fontRef>
+        </p:style>
+      </p:cxnSp>
     </p:spTree>
   </p:cSld>
   <p:clrMapOvr>
